--- a/PSSummit-DSL-20180408.pptx
+++ b/PSSummit-DSL-20180408.pptx
@@ -5,7 +5,7 @@
     <p:sldMasterId id="2147483668" r:id="rId1"/>
   </p:sldMasterIdLst>
   <p:notesMasterIdLst>
-    <p:notesMasterId r:id="rId17"/>
+    <p:notesMasterId r:id="rId18"/>
   </p:notesMasterIdLst>
   <p:sldIdLst>
     <p:sldId id="257" r:id="rId2"/>
@@ -22,7 +22,8 @@
     <p:sldId id="283" r:id="rId13"/>
     <p:sldId id="284" r:id="rId14"/>
     <p:sldId id="285" r:id="rId15"/>
-    <p:sldId id="265" r:id="rId16"/>
+    <p:sldId id="286" r:id="rId16"/>
+    <p:sldId id="265" r:id="rId17"/>
   </p:sldIdLst>
   <p:sldSz cx="12192000" cy="6858000"/>
   <p:notesSz cx="6858000" cy="9144000"/>
@@ -143,6 +144,7 @@
             <p14:sldId id="283"/>
             <p14:sldId id="284"/>
             <p14:sldId id="285"/>
+            <p14:sldId id="286"/>
             <p14:sldId id="265"/>
           </p14:sldIdLst>
         </p14:section>
@@ -4019,6 +4021,34 @@
 </dgm:styleDef>
 </file>
 
+<file path=ppt/ink/ink1.xml><?xml version="1.0" encoding="utf-8"?>
+<inkml:ink xmlns:inkml="http://www.w3.org/2003/InkML">
+  <inkml:definitions>
+    <inkml:context xml:id="ctx0">
+      <inkml:inkSource xml:id="inkSrc0">
+        <inkml:traceFormat>
+          <inkml:channel name="X" type="integer" min="-2.14748E9" max="2.14748E9" units="cm"/>
+          <inkml:channel name="Y" type="integer" min="-2.14748E9" max="2.14748E9" units="cm"/>
+          <inkml:channel name="F" type="integer" max="32767" units="dev"/>
+        </inkml:traceFormat>
+        <inkml:channelProperties>
+          <inkml:channelProperty channel="X" name="resolution" value="1000" units="1/cm"/>
+          <inkml:channelProperty channel="Y" name="resolution" value="1000" units="1/cm"/>
+          <inkml:channelProperty channel="F" name="resolution" value="0" units="1/dev"/>
+        </inkml:channelProperties>
+      </inkml:inkSource>
+      <inkml:timestamp xml:id="ts0" timeString="2018-04-12T04:53:10.731"/>
+    </inkml:context>
+    <inkml:brush xml:id="br0">
+      <inkml:brushProperty name="width" value="0.05" units="cm"/>
+      <inkml:brushProperty name="height" value="0.05" units="cm"/>
+    </inkml:brush>
+  </inkml:definitions>
+  <inkml:trace contextRef="#ctx0" brushRef="#br0">5 43 5632,'-1'-5'291,"1"1"-66,-1-6 278,0 4-167,1 3-110,0 0 57,-1 0-56,1 1 35,0-1 38,-1-1 44,1 4-360,0 0 43</inkml:trace>
+  <inkml:trace contextRef="#ctx0" brushRef="#br0" timeOffset="187.0767">5 20 7552,'2'6'-701,"0"1"-36,0-1-41,-1 1-45,0-2 214,4 11-1599</inkml:trace>
+</inkml:ink>
+</file>
+
 <file path=ppt/notesMasters/notesMaster1.xml><?xml version="1.0" encoding="utf-8"?>
 <p:notesMaster xmlns:a="http://schemas.openxmlformats.org/drawingml/2006/main" xmlns:r="http://schemas.openxmlformats.org/officeDocument/2006/relationships" xmlns:p="http://schemas.openxmlformats.org/presentationml/2006/main">
   <p:cSld>
@@ -4101,7 +4131,7 @@
           <a:p>
             <a:fld id="{173D78F9-8922-47C9-98AF-A2900A2E89DF}" type="datetimeFigureOut">
               <a:rPr lang="en-US" smtClean="0"/>
-              <a:t>4/8/2018</a:t>
+              <a:t>4/11/2018</a:t>
             </a:fld>
             <a:endParaRPr lang="en-US"/>
           </a:p>
@@ -4582,7 +4612,7 @@
           <a:p>
             <a:fld id="{2A9E2BC5-8B23-46BE-B2E0-01B1EDB17AB0}" type="datetime1">
               <a:rPr lang="en-US" smtClean="0"/>
-              <a:t>4/8/2018</a:t>
+              <a:t>4/11/2018</a:t>
             </a:fld>
             <a:endParaRPr lang="en-US" dirty="0"/>
           </a:p>
@@ -5173,7 +5203,7 @@
           <a:p>
             <a:fld id="{48CA942E-AA15-4AFD-B894-53CEA3EB0E2A}" type="datetime1">
               <a:rPr lang="en-US" smtClean="0"/>
-              <a:t>4/8/2018</a:t>
+              <a:t>4/11/2018</a:t>
             </a:fld>
             <a:endParaRPr lang="en-US" dirty="0"/>
           </a:p>
@@ -5433,7 +5463,7 @@
           <a:p>
             <a:fld id="{D1FC5489-0C4A-4EA5-9D42-A5A8869D2770}" type="datetime1">
               <a:rPr lang="en-US" smtClean="0"/>
-              <a:t>4/8/2018</a:t>
+              <a:t>4/11/2018</a:t>
             </a:fld>
             <a:endParaRPr lang="en-US" dirty="0"/>
           </a:p>
@@ -5692,7 +5722,7 @@
           <a:p>
             <a:fld id="{741B5347-6711-4800-ACCB-32629D50D4D4}" type="datetime1">
               <a:rPr lang="en-US" smtClean="0"/>
-              <a:t>4/8/2018</a:t>
+              <a:t>4/11/2018</a:t>
             </a:fld>
             <a:endParaRPr lang="en-US" dirty="0"/>
           </a:p>
@@ -6056,7 +6086,7 @@
           <a:p>
             <a:fld id="{05DA8BA3-9248-4691-9B7F-F7C920C0AEE3}" type="datetime1">
               <a:rPr lang="en-US" smtClean="0"/>
-              <a:t>4/8/2018</a:t>
+              <a:t>4/11/2018</a:t>
             </a:fld>
             <a:endParaRPr lang="en-US" dirty="0"/>
           </a:p>
@@ -6173,7 +6203,7 @@
           <a:p>
             <a:fld id="{81D73ECA-022D-42C9-A218-654BE7AB38D7}" type="datetime1">
               <a:rPr lang="en-US" smtClean="0"/>
-              <a:t>4/8/2018</a:t>
+              <a:t>4/11/2018</a:t>
             </a:fld>
             <a:endParaRPr lang="en-US" dirty="0"/>
           </a:p>
@@ -6268,7 +6298,7 @@
           <a:p>
             <a:fld id="{05F73617-1637-4D4F-AC56-7345F6FCC8CB}" type="datetime1">
               <a:rPr lang="en-US" smtClean="0"/>
-              <a:t>4/8/2018</a:t>
+              <a:t>4/11/2018</a:t>
             </a:fld>
             <a:endParaRPr lang="en-US" dirty="0"/>
           </a:p>
@@ -6543,7 +6573,7 @@
           <a:p>
             <a:fld id="{B4E33345-2C1F-40F0-9834-C993C279BC88}" type="datetime1">
               <a:rPr lang="en-US" smtClean="0"/>
-              <a:t>4/8/2018</a:t>
+              <a:t>4/11/2018</a:t>
             </a:fld>
             <a:endParaRPr lang="en-US" dirty="0"/>
           </a:p>
@@ -6795,7 +6825,7 @@
           <a:p>
             <a:fld id="{8D17783E-DA71-4D33-8369-491944BEBF7B}" type="datetime1">
               <a:rPr lang="en-US" smtClean="0"/>
-              <a:t>4/8/2018</a:t>
+              <a:t>4/11/2018</a:t>
             </a:fld>
             <a:endParaRPr lang="en-US" dirty="0"/>
           </a:p>
@@ -7006,7 +7036,7 @@
           <a:p>
             <a:fld id="{E29B7562-B176-42C8-BCA6-2E68C5EFAE14}" type="datetime1">
               <a:rPr lang="en-US" smtClean="0"/>
-              <a:t>4/8/2018</a:t>
+              <a:t>4/11/2018</a:t>
             </a:fld>
             <a:endParaRPr lang="en-US" dirty="0"/>
           </a:p>
@@ -7761,7 +7791,7 @@
           <a:p>
             <a:r>
               <a:rPr lang="en-US" dirty="0"/>
-              <a:t>Design Patterns</a:t>
+              <a:t>DLS Tricks (Design Patterns?)</a:t>
             </a:r>
           </a:p>
         </p:txBody>
@@ -8804,6 +8834,212 @@
 </file>
 
 <file path=ppt/slides/slide15.xml><?xml version="1.0" encoding="utf-8"?>
+<p:sld xmlns:a="http://schemas.openxmlformats.org/drawingml/2006/main" xmlns:r="http://schemas.openxmlformats.org/officeDocument/2006/relationships" xmlns:p="http://schemas.openxmlformats.org/presentationml/2006/main">
+  <p:cSld>
+    <p:spTree>
+      <p:nvGrpSpPr>
+        <p:cNvPr id="1" name=""/>
+        <p:cNvGrpSpPr/>
+        <p:nvPr/>
+      </p:nvGrpSpPr>
+      <p:grpSpPr>
+        <a:xfrm>
+          <a:off x="0" y="0"/>
+          <a:ext cx="0" cy="0"/>
+          <a:chOff x="0" y="0"/>
+          <a:chExt cx="0" cy="0"/>
+        </a:xfrm>
+      </p:grpSpPr>
+      <p:sp>
+        <p:nvSpPr>
+          <p:cNvPr id="2" name="Title 1">
+            <a:extLst>
+              <a:ext uri="{FF2B5EF4-FFF2-40B4-BE49-F238E27FC236}">
+                <a16:creationId xmlns:a16="http://schemas.microsoft.com/office/drawing/2014/main" id="{E8BB92AF-BD09-49F6-BF24-E349B370ABBB}"/>
+              </a:ext>
+            </a:extLst>
+          </p:cNvPr>
+          <p:cNvSpPr>
+            <a:spLocks noGrp="1"/>
+          </p:cNvSpPr>
+          <p:nvPr>
+            <p:ph type="title"/>
+          </p:nvPr>
+        </p:nvSpPr>
+        <p:spPr>
+          <a:xfrm>
+            <a:off x="3286298" y="365125"/>
+            <a:ext cx="8067502" cy="1325563"/>
+          </a:xfrm>
+        </p:spPr>
+        <p:txBody>
+          <a:bodyPr/>
+          <a:lstStyle/>
+          <a:p>
+            <a:r>
+              <a:rPr lang="en-US" dirty="0"/>
+              <a:t>Debugging</a:t>
+            </a:r>
+          </a:p>
+        </p:txBody>
+      </p:sp>
+      <p:sp>
+        <p:nvSpPr>
+          <p:cNvPr id="3" name="Content Placeholder 2">
+            <a:extLst>
+              <a:ext uri="{FF2B5EF4-FFF2-40B4-BE49-F238E27FC236}">
+                <a16:creationId xmlns:a16="http://schemas.microsoft.com/office/drawing/2014/main" id="{EA637586-F482-43AA-9CA7-448683628738}"/>
+              </a:ext>
+            </a:extLst>
+          </p:cNvPr>
+          <p:cNvSpPr>
+            <a:spLocks noGrp="1"/>
+          </p:cNvSpPr>
+          <p:nvPr>
+            <p:ph idx="1"/>
+          </p:nvPr>
+        </p:nvSpPr>
+        <p:spPr>
+          <a:xfrm>
+            <a:off x="3219796" y="1825625"/>
+            <a:ext cx="8134004" cy="4351338"/>
+          </a:xfrm>
+        </p:spPr>
+        <p:txBody>
+          <a:bodyPr/>
+          <a:lstStyle/>
+          <a:p>
+            <a:pPr marL="0" indent="0">
+              <a:buNone/>
+            </a:pPr>
+            <a:r>
+              <a:rPr lang="en-US" dirty="0"/>
+              <a:t>function </a:t>
+            </a:r>
+            <a:r>
+              <a:rPr lang="en-US" dirty="0" err="1"/>
+              <a:t>RdcGroup</a:t>
+            </a:r>
+            <a:endParaRPr lang="en-US" dirty="0"/>
+          </a:p>
+          <a:p>
+            <a:pPr marL="0" indent="0">
+              <a:buNone/>
+            </a:pPr>
+            <a:r>
+              <a:rPr lang="en-US" dirty="0"/>
+              <a:t>{</a:t>
+            </a:r>
+          </a:p>
+          <a:p>
+            <a:pPr marL="0" indent="0">
+              <a:buNone/>
+            </a:pPr>
+            <a:r>
+              <a:rPr lang="en-US" dirty="0"/>
+              <a:t>    [</a:t>
+            </a:r>
+            <a:r>
+              <a:rPr lang="en-US" dirty="0" err="1"/>
+              <a:t>CmdletBinding</a:t>
+            </a:r>
+            <a:r>
+              <a:rPr lang="en-US" dirty="0"/>
+              <a:t>()]</a:t>
+            </a:r>
+          </a:p>
+          <a:p>
+            <a:pPr marL="0" indent="0">
+              <a:buNone/>
+            </a:pPr>
+            <a:r>
+              <a:rPr lang="en-US" dirty="0"/>
+              <a:t>    </a:t>
+            </a:r>
+            <a:r>
+              <a:rPr lang="en-US" b="1" dirty="0"/>
+              <a:t>[</a:t>
+            </a:r>
+            <a:r>
+              <a:rPr lang="en-US" b="1" dirty="0" err="1"/>
+              <a:t>System.Diagnostics.DebuggerStepThrough</a:t>
+            </a:r>
+            <a:r>
+              <a:rPr lang="en-US" b="1" dirty="0"/>
+              <a:t>()]</a:t>
+            </a:r>
+          </a:p>
+          <a:p>
+            <a:pPr marL="0" indent="0">
+              <a:buNone/>
+            </a:pPr>
+            <a:r>
+              <a:rPr lang="en-US" dirty="0"/>
+              <a:t>    </a:t>
+            </a:r>
+            <a:r>
+              <a:rPr lang="en-US" dirty="0" err="1"/>
+              <a:t>param</a:t>
+            </a:r>
+            <a:r>
+              <a:rPr lang="en-US" dirty="0"/>
+              <a:t>(</a:t>
+            </a:r>
+          </a:p>
+          <a:p>
+            <a:pPr marL="0" indent="0">
+              <a:buNone/>
+            </a:pPr>
+            <a:r>
+              <a:rPr lang="en-US" dirty="0"/>
+              <a:t>       ….</a:t>
+            </a:r>
+          </a:p>
+        </p:txBody>
+      </p:sp>
+      <p:sp>
+        <p:nvSpPr>
+          <p:cNvPr id="4" name="Footer Placeholder 3">
+            <a:extLst>
+              <a:ext uri="{FF2B5EF4-FFF2-40B4-BE49-F238E27FC236}">
+                <a16:creationId xmlns:a16="http://schemas.microsoft.com/office/drawing/2014/main" id="{547724F0-91C8-4365-81B3-C33420ECE2AC}"/>
+              </a:ext>
+            </a:extLst>
+          </p:cNvPr>
+          <p:cNvSpPr>
+            <a:spLocks noGrp="1"/>
+          </p:cNvSpPr>
+          <p:nvPr>
+            <p:ph type="ftr" sz="quarter" idx="11"/>
+          </p:nvPr>
+        </p:nvSpPr>
+        <p:spPr/>
+        <p:txBody>
+          <a:bodyPr/>
+          <a:lstStyle/>
+          <a:p>
+            <a:r>
+              <a:rPr lang="en-US"/>
+              <a:t>#DSL #PSHSummit @KevinMarquette</a:t>
+            </a:r>
+            <a:endParaRPr lang="en-US" dirty="0"/>
+          </a:p>
+        </p:txBody>
+      </p:sp>
+    </p:spTree>
+    <p:extLst>
+      <p:ext uri="{BB962C8B-B14F-4D97-AF65-F5344CB8AC3E}">
+        <p14:creationId xmlns:p14="http://schemas.microsoft.com/office/powerpoint/2010/main" val="3923214111"/>
+      </p:ext>
+    </p:extLst>
+  </p:cSld>
+  <p:clrMapOvr>
+    <a:masterClrMapping/>
+  </p:clrMapOvr>
+</p:sld>
+</file>
+
+<file path=ppt/slides/slide16.xml><?xml version="1.0" encoding="utf-8"?>
 <p:sld xmlns:a="http://schemas.openxmlformats.org/drawingml/2006/main" xmlns:r="http://schemas.openxmlformats.org/officeDocument/2006/relationships" xmlns:p="http://schemas.openxmlformats.org/presentationml/2006/main">
   <p:cSld>
     <p:spTree>
@@ -9689,6 +9925,91 @@
           </a:p>
         </p:txBody>
       </p:sp>
+      <p:sp>
+        <p:nvSpPr>
+          <p:cNvPr id="6" name="Rectangle 5">
+            <a:extLst>
+              <a:ext uri="{FF2B5EF4-FFF2-40B4-BE49-F238E27FC236}">
+                <a16:creationId xmlns:a16="http://schemas.microsoft.com/office/drawing/2014/main" id="{0934948A-7DD7-441F-8E7E-D653675F7C0E}"/>
+              </a:ext>
+            </a:extLst>
+          </p:cNvPr>
+          <p:cNvSpPr/>
+          <p:nvPr/>
+        </p:nvSpPr>
+        <p:spPr>
+          <a:xfrm>
+            <a:off x="4873514" y="6485495"/>
+            <a:ext cx="5200976" cy="369332"/>
+          </a:xfrm>
+          <a:prstGeom prst="rect">
+            <a:avLst/>
+          </a:prstGeom>
+        </p:spPr>
+        <p:txBody>
+          <a:bodyPr wrap="none">
+            <a:spAutoFit/>
+          </a:bodyPr>
+          <a:lstStyle/>
+          <a:p>
+            <a:r>
+              <a:rPr lang="en-US" dirty="0"/>
+              <a:t>https://github.com/KevinMarquette/DSLPresentation</a:t>
+            </a:r>
+          </a:p>
+        </p:txBody>
+      </p:sp>
+      <mc:AlternateContent xmlns:mc="http://schemas.openxmlformats.org/markup-compatibility/2006">
+        <mc:Choice xmlns:p14="http://schemas.microsoft.com/office/powerpoint/2010/main" Requires="p14">
+          <p:contentPart p14:bwMode="auto" r:id="rId4">
+            <p14:nvContentPartPr>
+              <p14:cNvPr id="9" name="Ink 8">
+                <a:extLst>
+                  <a:ext uri="{FF2B5EF4-FFF2-40B4-BE49-F238E27FC236}">
+                    <a16:creationId xmlns:a16="http://schemas.microsoft.com/office/drawing/2014/main" id="{C0855C95-DC7C-4037-A869-0758B1F99AD4}"/>
+                  </a:ext>
+                </a:extLst>
+              </p14:cNvPr>
+              <p14:cNvContentPartPr/>
+              <p14:nvPr/>
+            </p14:nvContentPartPr>
+            <p14:xfrm>
+              <a:off x="2545996" y="5079982"/>
+              <a:ext cx="6840" cy="24120"/>
+            </p14:xfrm>
+          </p:contentPart>
+        </mc:Choice>
+        <mc:Fallback>
+          <p:pic>
+            <p:nvPicPr>
+              <p:cNvPr id="9" name="Ink 8">
+                <a:extLst>
+                  <a:ext uri="{FF2B5EF4-FFF2-40B4-BE49-F238E27FC236}">
+                    <a16:creationId xmlns:a16="http://schemas.microsoft.com/office/drawing/2014/main" id="{C0855C95-DC7C-4037-A869-0758B1F99AD4}"/>
+                  </a:ext>
+                </a:extLst>
+              </p:cNvPr>
+              <p:cNvPicPr/>
+              <p:nvPr/>
+            </p:nvPicPr>
+            <p:blipFill>
+              <a:blip r:embed="rId5"/>
+              <a:stretch>
+                <a:fillRect/>
+              </a:stretch>
+            </p:blipFill>
+            <p:spPr>
+              <a:xfrm>
+                <a:off x="2536996" y="5070982"/>
+                <a:ext cx="24480" cy="41760"/>
+              </a:xfrm>
+              <a:prstGeom prst="rect">
+                <a:avLst/>
+              </a:prstGeom>
+            </p:spPr>
+          </p:pic>
+        </mc:Fallback>
+      </mc:AlternateContent>
     </p:spTree>
     <p:extLst>
       <p:ext uri="{BB962C8B-B14F-4D97-AF65-F5344CB8AC3E}">
